--- a/Final Python Project.pptx
+++ b/Final Python Project.pptx
@@ -6506,7 +6506,7 @@
             </a:r>
             <a:r>
               <a:rPr lang="ru"/>
-              <a:t>Шаббат Шаллома</a:t>
+              <a:t>Шаббат Шалома</a:t>
             </a:r>
             <a:r>
               <a:rPr lang="ru"/>
